--- a/JAVA PPT/Day20 No Animation.pptx
+++ b/JAVA PPT/Day20 No Animation.pptx
@@ -249,6 +249,16 @@
   <p:extLst>
     <p:ext uri="{EFAFB233-063F-42B5-8137-9DF3F51BA10A}">
       <p15:sldGuideLst xmlns:p15="http://schemas.microsoft.com/office/powerpoint/2012/main">
+        <p15:guide id="1" orient="horz" pos="1620" userDrawn="1">
+          <p15:clr>
+            <a:srgbClr val="A4A3A4"/>
+          </p15:clr>
+        </p15:guide>
+        <p15:guide id="2" pos="2876" userDrawn="1">
+          <p15:clr>
+            <a:srgbClr val="A4A3A4"/>
+          </p15:clr>
+        </p15:guide>
         <p15:guide id="1" orient="horz" pos="1628" userDrawn="1">
           <p15:clr>
             <a:srgbClr val="A4A3A4"/>
@@ -11348,23 +11358,27 @@
       </p:sp>
       <p:pic>
         <p:nvPicPr>
-          <p:cNvPr id="2" name="Picture 1" descr="in1"/>
+          <p:cNvPr id="5" name="Picture 4"/>
           <p:cNvPicPr>
             <a:picLocks noChangeAspect="1"/>
           </p:cNvPicPr>
-          <p:nvPr/>
+          <p:nvPr>
+            <p:custDataLst>
+              <p:tags r:id="rId2"/>
+            </p:custDataLst>
+          </p:nvPr>
         </p:nvPicPr>
         <p:blipFill>
-          <a:blip r:embed="rId2"/>
-          <a:srcRect l="9179" t="15946" r="9221" b="16231"/>
+          <a:blip r:embed="rId3"/>
+          <a:srcRect l="8129" t="12090" r="7419" b="10804"/>
           <a:stretch>
             <a:fillRect/>
           </a:stretch>
         </p:blipFill>
         <p:spPr>
           <a:xfrm>
-            <a:off x="1143635" y="1130935"/>
-            <a:ext cx="3878580" cy="2011680"/>
+            <a:off x="1376045" y="1295400"/>
+            <a:ext cx="3355975" cy="2041525"/>
           </a:xfrm>
           <a:prstGeom prst="rect">
             <a:avLst/>
@@ -11373,23 +11387,27 @@
       </p:pic>
       <p:pic>
         <p:nvPicPr>
-          <p:cNvPr id="3" name="Picture 2" descr="in2"/>
+          <p:cNvPr id="6" name="Picture 5"/>
           <p:cNvPicPr>
             <a:picLocks noChangeAspect="1"/>
           </p:cNvPicPr>
-          <p:nvPr/>
+          <p:nvPr>
+            <p:custDataLst>
+              <p:tags r:id="rId4"/>
+            </p:custDataLst>
+          </p:nvPr>
         </p:nvPicPr>
         <p:blipFill>
-          <a:blip r:embed="rId3"/>
-          <a:srcRect l="9389" t="15931" r="9111" b="15541"/>
+          <a:blip r:embed="rId5"/>
+          <a:srcRect l="8771" t="12874" r="5247" b="11004"/>
           <a:stretch>
             <a:fillRect/>
           </a:stretch>
         </p:blipFill>
         <p:spPr>
           <a:xfrm>
-            <a:off x="5295265" y="2254250"/>
-            <a:ext cx="3685540" cy="1981835"/>
+            <a:off x="5240020" y="1876425"/>
+            <a:ext cx="3259455" cy="2323465"/>
           </a:xfrm>
           <a:prstGeom prst="rect">
             <a:avLst/>
@@ -11538,23 +11556,27 @@
       </p:sp>
       <p:pic>
         <p:nvPicPr>
-          <p:cNvPr id="3" name="Picture 2" descr="in3"/>
+          <p:cNvPr id="4" name="Picture 3"/>
           <p:cNvPicPr>
             <a:picLocks noChangeAspect="1"/>
           </p:cNvPicPr>
-          <p:nvPr/>
+          <p:nvPr>
+            <p:custDataLst>
+              <p:tags r:id="rId1"/>
+            </p:custDataLst>
+          </p:nvPr>
         </p:nvPicPr>
         <p:blipFill>
-          <a:blip r:embed="rId1"/>
-          <a:srcRect l="5616" t="5099" r="5342" b="5160"/>
+          <a:blip r:embed="rId2"/>
+          <a:srcRect l="5285" t="2655" r="5041" b="4155"/>
           <a:stretch>
             <a:fillRect/>
           </a:stretch>
         </p:blipFill>
         <p:spPr>
           <a:xfrm>
-            <a:off x="1528445" y="540385"/>
-            <a:ext cx="5797550" cy="3902075"/>
+            <a:off x="1649095" y="748030"/>
+            <a:ext cx="6514465" cy="3589020"/>
           </a:xfrm>
           <a:prstGeom prst="rect">
             <a:avLst/>
@@ -11601,6 +11623,24 @@
 </file>
 
 <file path=ppt/tags/tag5.xml><?xml version="1.0" encoding="utf-8"?>
+<p:tagLst xmlns:p="http://schemas.openxmlformats.org/presentationml/2006/main">
+  <p:tag name="KSO_WM_BEAUTIFY_FLAG" val=""/>
+</p:tagLst>
+</file>
+
+<file path=ppt/tags/tag6.xml><?xml version="1.0" encoding="utf-8"?>
+<p:tagLst xmlns:p="http://schemas.openxmlformats.org/presentationml/2006/main">
+  <p:tag name="KSO_WM_BEAUTIFY_FLAG" val=""/>
+</p:tagLst>
+</file>
+
+<file path=ppt/tags/tag7.xml><?xml version="1.0" encoding="utf-8"?>
+<p:tagLst xmlns:p="http://schemas.openxmlformats.org/presentationml/2006/main">
+  <p:tag name="KSO_WM_BEAUTIFY_FLAG" val=""/>
+</p:tagLst>
+</file>
+
+<file path=ppt/tags/tag8.xml><?xml version="1.0" encoding="utf-8"?>
 <p:tagLst xmlns:p="http://schemas.openxmlformats.org/presentationml/2006/main">
   <p:tag name="KSO_WM_BEAUTIFY_FLAG" val=""/>
 </p:tagLst>
